--- a/articulo/Presentación Proyecto v1.pptx
+++ b/articulo/Presentación Proyecto v1.pptx
@@ -5,10 +5,10 @@
     <p:sldMasterId id="2147483840" r:id="rId1"/>
   </p:sldMasterIdLst>
   <p:notesMasterIdLst>
-    <p:notesMasterId r:id="rId16"/>
+    <p:notesMasterId r:id="rId17"/>
   </p:notesMasterIdLst>
   <p:handoutMasterIdLst>
-    <p:handoutMasterId r:id="rId17"/>
+    <p:handoutMasterId r:id="rId18"/>
   </p:handoutMasterIdLst>
   <p:sldIdLst>
     <p:sldId id="256" r:id="rId2"/>
@@ -19,12 +19,13 @@
     <p:sldId id="263" r:id="rId7"/>
     <p:sldId id="274" r:id="rId8"/>
     <p:sldId id="271" r:id="rId9"/>
-    <p:sldId id="269" r:id="rId10"/>
-    <p:sldId id="265" r:id="rId11"/>
-    <p:sldId id="267" r:id="rId12"/>
-    <p:sldId id="266" r:id="rId13"/>
-    <p:sldId id="272" r:id="rId14"/>
-    <p:sldId id="268" r:id="rId15"/>
+    <p:sldId id="275" r:id="rId10"/>
+    <p:sldId id="269" r:id="rId11"/>
+    <p:sldId id="265" r:id="rId12"/>
+    <p:sldId id="267" r:id="rId13"/>
+    <p:sldId id="266" r:id="rId14"/>
+    <p:sldId id="272" r:id="rId15"/>
+    <p:sldId id="268" r:id="rId16"/>
   </p:sldIdLst>
   <p:sldSz cx="12192000" cy="6858000"/>
   <p:notesSz cx="6858000" cy="9144000"/>
@@ -137,7 +138,7 @@
 <file path=ppt/revisionInfo.xml><?xml version="1.0" encoding="utf-8"?>
 <p1510:revInfo xmlns:a="http://schemas.openxmlformats.org/drawingml/2006/main" xmlns:r="http://schemas.openxmlformats.org/officeDocument/2006/relationships" xmlns:p1510="http://schemas.microsoft.com/office/powerpoint/2015/10/main">
   <p1510:revLst>
-    <p1510:client id="{4C9CDDA1-08DA-4DAD-9A0A-147817E7F3D3}" v="166" dt="2022-10-04T18:14:00.089"/>
+    <p1510:client id="{4C9CDDA1-08DA-4DAD-9A0A-147817E7F3D3}" v="270" dt="2022-10-04T19:50:16.855"/>
     <p1510:client id="{5C7215EE-1D5A-4C98-AC3C-905D93C6B2DA}" v="383" dt="2022-10-04T12:31:12.230"/>
     <p1510:client id="{6AB4FE7B-4C43-4279-A444-E81B07AE5A37}" v="6" dt="2022-10-04T11:37:25.003"/>
     <p1510:client id="{7315DE55-97B7-4F56-8E28-147F663FE6F0}" v="7" dt="2022-10-04T11:33:40.944"/>
@@ -22291,6 +22292,405 @@
           <p:cNvPr id="2" name="Título 1">
             <a:extLst>
               <a:ext uri="{FF2B5EF4-FFF2-40B4-BE49-F238E27FC236}">
+                <a16:creationId xmlns:a16="http://schemas.microsoft.com/office/drawing/2014/main" id="{518CB689-C7CE-407D-2E54-C0C8FEBD98D0}"/>
+              </a:ext>
+            </a:extLst>
+          </p:cNvPr>
+          <p:cNvSpPr>
+            <a:spLocks noGrp="1"/>
+          </p:cNvSpPr>
+          <p:nvPr>
+            <p:ph type="title"/>
+          </p:nvPr>
+        </p:nvSpPr>
+        <p:spPr/>
+        <p:txBody>
+          <a:bodyPr/>
+          <a:lstStyle/>
+          <a:p>
+            <a:r>
+              <a:rPr lang="es-ES" dirty="0"/>
+              <a:t>Resultados</a:t>
+            </a:r>
+          </a:p>
+        </p:txBody>
+      </p:sp>
+      <p:sp>
+        <p:nvSpPr>
+          <p:cNvPr id="6" name="Marcador de contenido 5">
+            <a:extLst>
+              <a:ext uri="{FF2B5EF4-FFF2-40B4-BE49-F238E27FC236}">
+                <a16:creationId xmlns:a16="http://schemas.microsoft.com/office/drawing/2014/main" id="{E7B2A69C-5DD7-5A45-07D8-7E5CE2250D94}"/>
+              </a:ext>
+            </a:extLst>
+          </p:cNvPr>
+          <p:cNvSpPr>
+            <a:spLocks noGrp="1"/>
+          </p:cNvSpPr>
+          <p:nvPr>
+            <p:ph idx="1"/>
+          </p:nvPr>
+        </p:nvSpPr>
+        <p:spPr>
+          <a:xfrm>
+            <a:off x="3449616" y="621151"/>
+            <a:ext cx="7315200" cy="1134794"/>
+          </a:xfrm>
+        </p:spPr>
+        <p:txBody>
+          <a:bodyPr/>
+          <a:lstStyle/>
+          <a:p>
+            <a:pPr marL="0" indent="0">
+              <a:buNone/>
+            </a:pPr>
+            <a:r>
+              <a:rPr lang="es-ES" dirty="0"/>
+              <a:t>Importancia de los predictores</a:t>
+            </a:r>
+            <a:endParaRPr lang="es-ES"/>
+          </a:p>
+        </p:txBody>
+      </p:sp>
+      <p:pic>
+        <p:nvPicPr>
+          <p:cNvPr id="3" name="Imagen 3">
+            <a:extLst>
+              <a:ext uri="{FF2B5EF4-FFF2-40B4-BE49-F238E27FC236}">
+                <a16:creationId xmlns:a16="http://schemas.microsoft.com/office/drawing/2014/main" id="{4C708E43-9F35-3EDD-D877-BCC2C98B5A64}"/>
+              </a:ext>
+            </a:extLst>
+          </p:cNvPr>
+          <p:cNvPicPr>
+            <a:picLocks noChangeAspect="1"/>
+          </p:cNvPicPr>
+          <p:nvPr/>
+        </p:nvPicPr>
+        <p:blipFill>
+          <a:blip r:embed="rId2"/>
+          <a:stretch>
+            <a:fillRect/>
+          </a:stretch>
+        </p:blipFill>
+        <p:spPr>
+          <a:xfrm>
+            <a:off x="3450921" y="2591869"/>
+            <a:ext cx="3943610" cy="1987415"/>
+          </a:xfrm>
+          <a:prstGeom prst="rect">
+            <a:avLst/>
+          </a:prstGeom>
+        </p:spPr>
+      </p:pic>
+      <p:pic>
+        <p:nvPicPr>
+          <p:cNvPr id="4" name="Imagen 4" descr="Interfaz de usuario gráfica&#10;&#10;Descripción generada automáticamente">
+            <a:extLst>
+              <a:ext uri="{FF2B5EF4-FFF2-40B4-BE49-F238E27FC236}">
+                <a16:creationId xmlns:a16="http://schemas.microsoft.com/office/drawing/2014/main" id="{113ADEFA-C49C-6C96-3CB0-60AA17E5F62C}"/>
+              </a:ext>
+            </a:extLst>
+          </p:cNvPr>
+          <p:cNvPicPr>
+            <a:picLocks noChangeAspect="1"/>
+          </p:cNvPicPr>
+          <p:nvPr/>
+        </p:nvPicPr>
+        <p:blipFill>
+          <a:blip r:embed="rId3"/>
+          <a:stretch>
+            <a:fillRect/>
+          </a:stretch>
+        </p:blipFill>
+        <p:spPr>
+          <a:xfrm>
+            <a:off x="7803715" y="1737091"/>
+            <a:ext cx="3557391" cy="3968365"/>
+          </a:xfrm>
+          <a:prstGeom prst="rect">
+            <a:avLst/>
+          </a:prstGeom>
+        </p:spPr>
+      </p:pic>
+      <p:cxnSp>
+        <p:nvCxnSpPr>
+          <p:cNvPr id="5" name="Conector recto de flecha 4">
+            <a:extLst>
+              <a:ext uri="{FF2B5EF4-FFF2-40B4-BE49-F238E27FC236}">
+                <a16:creationId xmlns:a16="http://schemas.microsoft.com/office/drawing/2014/main" id="{3328FE23-A913-4CD9-0546-CD9657D2FAC3}"/>
+              </a:ext>
+            </a:extLst>
+          </p:cNvPr>
+          <p:cNvCxnSpPr/>
+          <p:nvPr/>
+        </p:nvCxnSpPr>
+        <p:spPr>
+          <a:xfrm flipV="1">
+            <a:off x="7027101" y="2216064"/>
+            <a:ext cx="893523" cy="818366"/>
+          </a:xfrm>
+          <a:prstGeom prst="straightConnector1">
+            <a:avLst/>
+          </a:prstGeom>
+          <a:ln>
+            <a:tailEnd type="triangle"/>
+          </a:ln>
+        </p:spPr>
+        <p:style>
+          <a:lnRef idx="2">
+            <a:schemeClr val="accent1"/>
+          </a:lnRef>
+          <a:fillRef idx="0">
+            <a:schemeClr val="accent1"/>
+          </a:fillRef>
+          <a:effectRef idx="1">
+            <a:schemeClr val="accent1"/>
+          </a:effectRef>
+          <a:fontRef idx="minor">
+            <a:schemeClr val="tx1"/>
+          </a:fontRef>
+        </p:style>
+      </p:cxnSp>
+      <p:cxnSp>
+        <p:nvCxnSpPr>
+          <p:cNvPr id="8" name="Conector recto de flecha 7">
+            <a:extLst>
+              <a:ext uri="{FF2B5EF4-FFF2-40B4-BE49-F238E27FC236}">
+                <a16:creationId xmlns:a16="http://schemas.microsoft.com/office/drawing/2014/main" id="{18DA3B4B-D70C-D726-6CFE-F1254DAB8797}"/>
+              </a:ext>
+            </a:extLst>
+          </p:cNvPr>
+          <p:cNvCxnSpPr>
+            <a:cxnSpLocks/>
+          </p:cNvCxnSpPr>
+          <p:nvPr/>
+        </p:nvCxnSpPr>
+        <p:spPr>
+          <a:xfrm flipV="1">
+            <a:off x="7016662" y="2581405"/>
+            <a:ext cx="1008345" cy="661791"/>
+          </a:xfrm>
+          <a:prstGeom prst="straightConnector1">
+            <a:avLst/>
+          </a:prstGeom>
+          <a:ln>
+            <a:tailEnd type="triangle"/>
+          </a:ln>
+        </p:spPr>
+        <p:style>
+          <a:lnRef idx="2">
+            <a:schemeClr val="accent1"/>
+          </a:lnRef>
+          <a:fillRef idx="0">
+            <a:schemeClr val="accent1"/>
+          </a:fillRef>
+          <a:effectRef idx="1">
+            <a:schemeClr val="accent1"/>
+          </a:effectRef>
+          <a:fontRef idx="minor">
+            <a:schemeClr val="tx1"/>
+          </a:fontRef>
+        </p:style>
+      </p:cxnSp>
+      <p:cxnSp>
+        <p:nvCxnSpPr>
+          <p:cNvPr id="9" name="Conector recto de flecha 8">
+            <a:extLst>
+              <a:ext uri="{FF2B5EF4-FFF2-40B4-BE49-F238E27FC236}">
+                <a16:creationId xmlns:a16="http://schemas.microsoft.com/office/drawing/2014/main" id="{5590440E-16B3-C47E-8616-BFD8CAB3A1F3}"/>
+              </a:ext>
+            </a:extLst>
+          </p:cNvPr>
+          <p:cNvCxnSpPr>
+            <a:cxnSpLocks/>
+          </p:cNvCxnSpPr>
+          <p:nvPr/>
+        </p:nvCxnSpPr>
+        <p:spPr>
+          <a:xfrm flipV="1">
+            <a:off x="6964470" y="2403952"/>
+            <a:ext cx="1050098" cy="1048010"/>
+          </a:xfrm>
+          <a:prstGeom prst="straightConnector1">
+            <a:avLst/>
+          </a:prstGeom>
+          <a:ln>
+            <a:tailEnd type="triangle"/>
+          </a:ln>
+        </p:spPr>
+        <p:style>
+          <a:lnRef idx="2">
+            <a:schemeClr val="accent1"/>
+          </a:lnRef>
+          <a:fillRef idx="0">
+            <a:schemeClr val="accent1"/>
+          </a:fillRef>
+          <a:effectRef idx="1">
+            <a:schemeClr val="accent1"/>
+          </a:effectRef>
+          <a:fontRef idx="minor">
+            <a:schemeClr val="tx1"/>
+          </a:fontRef>
+        </p:style>
+      </p:cxnSp>
+      <p:cxnSp>
+        <p:nvCxnSpPr>
+          <p:cNvPr id="10" name="Conector recto de flecha 9">
+            <a:extLst>
+              <a:ext uri="{FF2B5EF4-FFF2-40B4-BE49-F238E27FC236}">
+                <a16:creationId xmlns:a16="http://schemas.microsoft.com/office/drawing/2014/main" id="{4244C4A3-4517-A444-72D1-420F4AF08D0E}"/>
+              </a:ext>
+            </a:extLst>
+          </p:cNvPr>
+          <p:cNvCxnSpPr>
+            <a:cxnSpLocks/>
+          </p:cNvCxnSpPr>
+          <p:nvPr/>
+        </p:nvCxnSpPr>
+        <p:spPr>
+          <a:xfrm flipV="1">
+            <a:off x="7037538" y="3552170"/>
+            <a:ext cx="956153" cy="45928"/>
+          </a:xfrm>
+          <a:prstGeom prst="straightConnector1">
+            <a:avLst/>
+          </a:prstGeom>
+          <a:ln>
+            <a:tailEnd type="triangle"/>
+          </a:ln>
+        </p:spPr>
+        <p:style>
+          <a:lnRef idx="2">
+            <a:schemeClr val="accent1"/>
+          </a:lnRef>
+          <a:fillRef idx="0">
+            <a:schemeClr val="accent1"/>
+          </a:fillRef>
+          <a:effectRef idx="1">
+            <a:schemeClr val="accent1"/>
+          </a:effectRef>
+          <a:fontRef idx="minor">
+            <a:schemeClr val="tx1"/>
+          </a:fontRef>
+        </p:style>
+      </p:cxnSp>
+      <p:cxnSp>
+        <p:nvCxnSpPr>
+          <p:cNvPr id="11" name="Conector recto de flecha 10">
+            <a:extLst>
+              <a:ext uri="{FF2B5EF4-FFF2-40B4-BE49-F238E27FC236}">
+                <a16:creationId xmlns:a16="http://schemas.microsoft.com/office/drawing/2014/main" id="{F8BB0765-BC25-D1E6-5475-B82B59CBA14C}"/>
+              </a:ext>
+            </a:extLst>
+          </p:cNvPr>
+          <p:cNvCxnSpPr>
+            <a:cxnSpLocks/>
+          </p:cNvCxnSpPr>
+          <p:nvPr/>
+        </p:nvCxnSpPr>
+        <p:spPr>
+          <a:xfrm flipV="1">
+            <a:off x="7027100" y="3061567"/>
+            <a:ext cx="893522" cy="745297"/>
+          </a:xfrm>
+          <a:prstGeom prst="straightConnector1">
+            <a:avLst/>
+          </a:prstGeom>
+          <a:ln>
+            <a:tailEnd type="triangle"/>
+          </a:ln>
+        </p:spPr>
+        <p:style>
+          <a:lnRef idx="2">
+            <a:schemeClr val="accent1"/>
+          </a:lnRef>
+          <a:fillRef idx="0">
+            <a:schemeClr val="accent1"/>
+          </a:fillRef>
+          <a:effectRef idx="1">
+            <a:schemeClr val="accent1"/>
+          </a:effectRef>
+          <a:fontRef idx="minor">
+            <a:schemeClr val="tx1"/>
+          </a:fontRef>
+        </p:style>
+      </p:cxnSp>
+      <p:cxnSp>
+        <p:nvCxnSpPr>
+          <p:cNvPr id="12" name="Conector recto de flecha 11">
+            <a:extLst>
+              <a:ext uri="{FF2B5EF4-FFF2-40B4-BE49-F238E27FC236}">
+                <a16:creationId xmlns:a16="http://schemas.microsoft.com/office/drawing/2014/main" id="{AA830493-B168-435D-FC63-1A9AB1E2CE1E}"/>
+              </a:ext>
+            </a:extLst>
+          </p:cNvPr>
+          <p:cNvCxnSpPr>
+            <a:cxnSpLocks/>
+          </p:cNvCxnSpPr>
+          <p:nvPr/>
+        </p:nvCxnSpPr>
+        <p:spPr>
+          <a:xfrm flipV="1">
+            <a:off x="7027099" y="2884115"/>
+            <a:ext cx="977029" cy="1100201"/>
+          </a:xfrm>
+          <a:prstGeom prst="straightConnector1">
+            <a:avLst/>
+          </a:prstGeom>
+          <a:ln>
+            <a:tailEnd type="triangle"/>
+          </a:ln>
+        </p:spPr>
+        <p:style>
+          <a:lnRef idx="2">
+            <a:schemeClr val="accent1"/>
+          </a:lnRef>
+          <a:fillRef idx="0">
+            <a:schemeClr val="accent1"/>
+          </a:fillRef>
+          <a:effectRef idx="1">
+            <a:schemeClr val="accent1"/>
+          </a:effectRef>
+          <a:fontRef idx="minor">
+            <a:schemeClr val="tx1"/>
+          </a:fontRef>
+        </p:style>
+      </p:cxnSp>
+    </p:spTree>
+    <p:extLst>
+      <p:ext uri="{BB962C8B-B14F-4D97-AF65-F5344CB8AC3E}">
+        <p14:creationId xmlns:p14="http://schemas.microsoft.com/office/powerpoint/2010/main" val="1940439599"/>
+      </p:ext>
+    </p:extLst>
+  </p:cSld>
+  <p:clrMapOvr>
+    <a:masterClrMapping/>
+  </p:clrMapOvr>
+</p:sld>
+</file>
+
+<file path=ppt/slides/slide11.xml><?xml version="1.0" encoding="utf-8"?>
+<p:sld xmlns:a="http://schemas.openxmlformats.org/drawingml/2006/main" xmlns:r="http://schemas.openxmlformats.org/officeDocument/2006/relationships" xmlns:p="http://schemas.openxmlformats.org/presentationml/2006/main">
+  <p:cSld>
+    <p:spTree>
+      <p:nvGrpSpPr>
+        <p:cNvPr id="1" name=""/>
+        <p:cNvGrpSpPr/>
+        <p:nvPr/>
+      </p:nvGrpSpPr>
+      <p:grpSpPr>
+        <a:xfrm>
+          <a:off x="0" y="0"/>
+          <a:ext cx="0" cy="0"/>
+          <a:chOff x="0" y="0"/>
+          <a:chExt cx="0" cy="0"/>
+        </a:xfrm>
+      </p:grpSpPr>
+      <p:sp>
+        <p:nvSpPr>
+          <p:cNvPr id="2" name="Título 1">
+            <a:extLst>
+              <a:ext uri="{FF2B5EF4-FFF2-40B4-BE49-F238E27FC236}">
                 <a16:creationId xmlns:a16="http://schemas.microsoft.com/office/drawing/2014/main" id="{4689EA41-B6E7-B3EF-9D13-D4C613832499}"/>
               </a:ext>
             </a:extLst>
@@ -22569,7 +22969,7 @@
 </p:sld>
 </file>
 
-<file path=ppt/slides/slide11.xml><?xml version="1.0" encoding="utf-8"?>
+<file path=ppt/slides/slide12.xml><?xml version="1.0" encoding="utf-8"?>
 <p:sld xmlns:a="http://schemas.openxmlformats.org/drawingml/2006/main" xmlns:r="http://schemas.openxmlformats.org/officeDocument/2006/relationships" xmlns:p="http://schemas.openxmlformats.org/presentationml/2006/main">
   <p:cSld>
     <p:bg>
@@ -23192,7 +23592,7 @@
 </p:sld>
 </file>
 
-<file path=ppt/slides/slide12.xml><?xml version="1.0" encoding="utf-8"?>
+<file path=ppt/slides/slide13.xml><?xml version="1.0" encoding="utf-8"?>
 <p:sld xmlns:a="http://schemas.openxmlformats.org/drawingml/2006/main" xmlns:r="http://schemas.openxmlformats.org/officeDocument/2006/relationships" xmlns:p="http://schemas.openxmlformats.org/presentationml/2006/main">
   <p:cSld>
     <p:spTree>
@@ -23462,7 +23862,7 @@
 </p:sld>
 </file>
 
-<file path=ppt/slides/slide13.xml><?xml version="1.0" encoding="utf-8"?>
+<file path=ppt/slides/slide14.xml><?xml version="1.0" encoding="utf-8"?>
 <p:sld xmlns:a="http://schemas.openxmlformats.org/drawingml/2006/main" xmlns:r="http://schemas.openxmlformats.org/officeDocument/2006/relationships" xmlns:p="http://schemas.openxmlformats.org/presentationml/2006/main">
   <p:cSld>
     <p:spTree>
@@ -23688,8 +24088,8 @@
         </p:nvSpPr>
         <p:spPr>
           <a:xfrm>
-            <a:off x="5962390" y="3227059"/>
-            <a:ext cx="1398740" cy="741123"/>
+            <a:off x="5962390" y="2952739"/>
+            <a:ext cx="1388580" cy="1015443"/>
           </a:xfrm>
           <a:prstGeom prst="flowChartDocument">
             <a:avLst/>
@@ -23718,7 +24118,22 @@
             <a:pPr algn="ctr"/>
             <a:r>
               <a:rPr lang="es-ES" dirty="0"/>
-              <a:t>API - GET : index.py</a:t>
+              <a:t>API - POST: </a:t>
+            </a:r>
+            <a:r>
+              <a:rPr lang="es-ES" dirty="0" err="1">
+                <a:ea typeface="+mn-lt"/>
+                <a:cs typeface="+mn-lt"/>
+              </a:rPr>
+              <a:t>request</a:t>
+            </a:r>
+            <a:endParaRPr lang="es-ES" dirty="0" err="1"/>
+          </a:p>
+          <a:p>
+            <a:pPr algn="ctr"/>
+            <a:r>
+              <a:rPr lang="es-ES" dirty="0"/>
+              <a:t>index.py</a:t>
             </a:r>
           </a:p>
         </p:txBody>
@@ -23737,8 +24152,8 @@
         </p:nvSpPr>
         <p:spPr>
           <a:xfrm>
-            <a:off x="8446718" y="3101799"/>
-            <a:ext cx="1398740" cy="741124"/>
+            <a:off x="8467038" y="2908759"/>
+            <a:ext cx="1398740" cy="1137364"/>
           </a:xfrm>
           <a:prstGeom prst="flowChartDocument">
             <a:avLst/>
@@ -23767,7 +24182,25 @@
             <a:pPr algn="ctr"/>
             <a:r>
               <a:rPr lang="es-ES" dirty="0"/>
-              <a:t>API - POST: result.py</a:t>
+              <a:t>API - POST:</a:t>
+            </a:r>
+          </a:p>
+          <a:p>
+            <a:pPr algn="ctr"/>
+            <a:r>
+              <a:rPr lang="es-ES" dirty="0">
+                <a:ea typeface="+mn-lt"/>
+                <a:cs typeface="+mn-lt"/>
+              </a:rPr>
+              <a:t>response</a:t>
+            </a:r>
+            <a:endParaRPr lang="es-ES" dirty="0"/>
+          </a:p>
+          <a:p>
+            <a:pPr algn="ctr"/>
+            <a:r>
+              <a:rPr lang="es-ES" dirty="0"/>
+              <a:t> result.py</a:t>
             </a:r>
           </a:p>
         </p:txBody>
@@ -23832,7 +24265,7 @@
         </p:nvSpPr>
         <p:spPr>
           <a:xfrm>
-            <a:off x="8446718" y="1233334"/>
+            <a:off x="8975038" y="1019974"/>
             <a:ext cx="1398740" cy="1283917"/>
           </a:xfrm>
           <a:prstGeom prst="flowChartDocument">
@@ -23880,9 +24313,9 @@
           <p:nvPr/>
         </p:nvSpPr>
         <p:spPr>
-          <a:xfrm rot="-2340000">
-            <a:off x="7391789" y="2572807"/>
-            <a:ext cx="594987" cy="354904"/>
+          <a:xfrm rot="19920000">
+            <a:off x="7583633" y="2578281"/>
+            <a:ext cx="727067" cy="283784"/>
           </a:xfrm>
           <a:prstGeom prst="rightArrow">
             <a:avLst/>
@@ -23926,9 +24359,9 @@
           <p:nvPr/>
         </p:nvSpPr>
         <p:spPr>
-          <a:xfrm rot="4080000">
-            <a:off x="9127824" y="2588386"/>
-            <a:ext cx="605425" cy="375780"/>
+          <a:xfrm rot="7260000">
+            <a:off x="9161184" y="2477613"/>
+            <a:ext cx="473345" cy="314820"/>
           </a:xfrm>
           <a:prstGeom prst="rightArrow">
             <a:avLst/>
@@ -23973,8 +24406,8 @@
         </p:nvSpPr>
         <p:spPr>
           <a:xfrm rot="10800000">
-            <a:off x="7839030" y="1482898"/>
-            <a:ext cx="520759" cy="438411"/>
+            <a:off x="7960950" y="1604818"/>
+            <a:ext cx="632519" cy="387611"/>
           </a:xfrm>
           <a:prstGeom prst="rightArrow">
             <a:avLst/>
@@ -24005,6 +24438,55 @@
           </a:p>
         </p:txBody>
       </p:sp>
+      <p:sp>
+        <p:nvSpPr>
+          <p:cNvPr id="4" name="Rectángulo: esquinas redondeadas 3">
+            <a:extLst>
+              <a:ext uri="{FF2B5EF4-FFF2-40B4-BE49-F238E27FC236}">
+                <a16:creationId xmlns:a16="http://schemas.microsoft.com/office/drawing/2014/main" id="{7797DBB5-7E98-3ADC-76D7-29A168655A97}"/>
+              </a:ext>
+            </a:extLst>
+          </p:cNvPr>
+          <p:cNvSpPr/>
+          <p:nvPr/>
+        </p:nvSpPr>
+        <p:spPr>
+          <a:xfrm>
+            <a:off x="7874000" y="919480"/>
+            <a:ext cx="812800" cy="568960"/>
+          </a:xfrm>
+          <a:prstGeom prst="roundRect">
+            <a:avLst/>
+          </a:prstGeom>
+        </p:spPr>
+        <p:style>
+          <a:lnRef idx="2">
+            <a:schemeClr val="accent1">
+              <a:shade val="50000"/>
+            </a:schemeClr>
+          </a:lnRef>
+          <a:fillRef idx="1">
+            <a:schemeClr val="accent1"/>
+          </a:fillRef>
+          <a:effectRef idx="0">
+            <a:schemeClr val="accent1"/>
+          </a:effectRef>
+          <a:fontRef idx="minor">
+            <a:schemeClr val="lt1"/>
+          </a:fontRef>
+        </p:style>
+        <p:txBody>
+          <a:bodyPr rtlCol="0" anchor="ctr"/>
+          <a:lstStyle/>
+          <a:p>
+            <a:pPr algn="ctr"/>
+            <a:r>
+              <a:rPr lang="es-ES" dirty="0"/>
+              <a:t>GET</a:t>
+            </a:r>
+          </a:p>
+        </p:txBody>
+      </p:sp>
     </p:spTree>
     <p:extLst>
       <p:ext uri="{BB962C8B-B14F-4D97-AF65-F5344CB8AC3E}">
@@ -24018,7 +24500,7 @@
 </p:sld>
 </file>
 
-<file path=ppt/slides/slide14.xml><?xml version="1.0" encoding="utf-8"?>
+<file path=ppt/slides/slide15.xml><?xml version="1.0" encoding="utf-8"?>
 <p:sld xmlns:a="http://schemas.openxmlformats.org/drawingml/2006/main" xmlns:r="http://schemas.openxmlformats.org/officeDocument/2006/relationships" xmlns:p="http://schemas.openxmlformats.org/presentationml/2006/main">
   <p:cSld>
     <p:bg>
@@ -26588,6 +27070,14 @@
 <file path=ppt/slides/slide9.xml><?xml version="1.0" encoding="utf-8"?>
 <p:sld xmlns:a="http://schemas.openxmlformats.org/drawingml/2006/main" xmlns:r="http://schemas.openxmlformats.org/officeDocument/2006/relationships" xmlns:p="http://schemas.openxmlformats.org/presentationml/2006/main">
   <p:cSld>
+    <p:bg>
+      <p:bgPr>
+        <a:solidFill>
+          <a:schemeClr val="bg1"/>
+        </a:solidFill>
+        <a:effectLst/>
+      </p:bgPr>
+    </p:bg>
     <p:spTree>
       <p:nvGrpSpPr>
         <p:cNvPr id="1" name=""/>
@@ -26602,12 +27092,134 @@
           <a:chExt cx="0" cy="0"/>
         </a:xfrm>
       </p:grpSpPr>
+      <p:sp useBgFill="1">
+        <p:nvSpPr>
+          <p:cNvPr id="8" name="Rectangle 7">
+            <a:extLst>
+              <a:ext uri="{FF2B5EF4-FFF2-40B4-BE49-F238E27FC236}">
+                <a16:creationId xmlns:a16="http://schemas.microsoft.com/office/drawing/2014/main" id="{29DC5A77-10C9-4ECF-B7EB-8D917F36A9EE}"/>
+              </a:ext>
+              <a:ext uri="{C183D7F6-B498-43B3-948B-1728B52AA6E4}">
+                <adec:decorative xmlns:adec="http://schemas.microsoft.com/office/drawing/2017/decorative" val="1"/>
+              </a:ext>
+            </a:extLst>
+          </p:cNvPr>
+          <p:cNvSpPr>
+            <a:spLocks noGrp="1" noRot="1" noChangeAspect="1" noMove="1" noResize="1" noEditPoints="1" noAdjustHandles="1" noChangeArrowheads="1" noChangeShapeType="1" noTextEdit="1"/>
+          </p:cNvSpPr>
+          <p:nvPr>
+            <p:extLst>
+              <p:ext uri="{386F3935-93C4-4BCD-93E2-E3B085C9AB24}">
+                <p16:designElem xmlns:p16="http://schemas.microsoft.com/office/powerpoint/2015/main" val="1"/>
+              </p:ext>
+            </p:extLst>
+          </p:nvPr>
+        </p:nvSpPr>
+        <p:spPr>
+          <a:xfrm>
+            <a:off x="0" y="0"/>
+            <a:ext cx="12192000" cy="6858000"/>
+          </a:xfrm>
+          <a:prstGeom prst="rect">
+            <a:avLst/>
+          </a:prstGeom>
+          <a:ln>
+            <a:noFill/>
+          </a:ln>
+        </p:spPr>
+        <p:style>
+          <a:lnRef idx="2">
+            <a:schemeClr val="accent1">
+              <a:shade val="50000"/>
+            </a:schemeClr>
+          </a:lnRef>
+          <a:fillRef idx="1">
+            <a:schemeClr val="accent1"/>
+          </a:fillRef>
+          <a:effectRef idx="0">
+            <a:schemeClr val="accent1"/>
+          </a:effectRef>
+          <a:fontRef idx="minor">
+            <a:schemeClr val="lt1"/>
+          </a:fontRef>
+        </p:style>
+        <p:txBody>
+          <a:bodyPr rtlCol="0" anchor="ctr"/>
+          <a:lstStyle/>
+          <a:p>
+            <a:pPr algn="ctr"/>
+            <a:endParaRPr lang="en-US"/>
+          </a:p>
+        </p:txBody>
+      </p:sp>
+      <p:sp>
+        <p:nvSpPr>
+          <p:cNvPr id="10" name="Rectangle 9">
+            <a:extLst>
+              <a:ext uri="{FF2B5EF4-FFF2-40B4-BE49-F238E27FC236}">
+                <a16:creationId xmlns:a16="http://schemas.microsoft.com/office/drawing/2014/main" id="{2FFE28B5-FB16-49A9-B851-3C35FAC0CACB}"/>
+              </a:ext>
+              <a:ext uri="{C183D7F6-B498-43B3-948B-1728B52AA6E4}">
+                <adec:decorative xmlns:adec="http://schemas.microsoft.com/office/drawing/2017/decorative" val="1"/>
+              </a:ext>
+            </a:extLst>
+          </p:cNvPr>
+          <p:cNvSpPr>
+            <a:spLocks noGrp="1" noRot="1" noChangeAspect="1" noMove="1" noResize="1" noEditPoints="1" noAdjustHandles="1" noChangeArrowheads="1" noChangeShapeType="1" noTextEdit="1"/>
+          </p:cNvSpPr>
+          <p:nvPr>
+            <p:extLst>
+              <p:ext uri="{386F3935-93C4-4BCD-93E2-E3B085C9AB24}">
+                <p16:designElem xmlns:p16="http://schemas.microsoft.com/office/powerpoint/2015/main" val="1"/>
+              </p:ext>
+            </p:extLst>
+          </p:nvPr>
+        </p:nvSpPr>
+        <p:spPr>
+          <a:xfrm>
+            <a:off x="1" y="758952"/>
+            <a:ext cx="10905976" cy="1651133"/>
+          </a:xfrm>
+          <a:prstGeom prst="rect">
+            <a:avLst/>
+          </a:prstGeom>
+          <a:solidFill>
+            <a:schemeClr val="accent1"/>
+          </a:solidFill>
+          <a:ln>
+            <a:noFill/>
+          </a:ln>
+        </p:spPr>
+        <p:style>
+          <a:lnRef idx="2">
+            <a:schemeClr val="accent1">
+              <a:shade val="50000"/>
+            </a:schemeClr>
+          </a:lnRef>
+          <a:fillRef idx="1">
+            <a:schemeClr val="accent1"/>
+          </a:fillRef>
+          <a:effectRef idx="0">
+            <a:schemeClr val="accent1"/>
+          </a:effectRef>
+          <a:fontRef idx="minor">
+            <a:schemeClr val="lt1"/>
+          </a:fontRef>
+        </p:style>
+        <p:txBody>
+          <a:bodyPr/>
+          <a:lstStyle/>
+          <a:p>
+            <a:endParaRPr lang="en-US" dirty="0"/>
+          </a:p>
+        </p:txBody>
+      </p:sp>
       <p:sp>
         <p:nvSpPr>
           <p:cNvPr id="2" name="Título 1">
             <a:extLst>
               <a:ext uri="{FF2B5EF4-FFF2-40B4-BE49-F238E27FC236}">
-                <a16:creationId xmlns:a16="http://schemas.microsoft.com/office/drawing/2014/main" id="{518CB689-C7CE-407D-2E54-C0C8FEBD98D0}"/>
+                <a16:creationId xmlns:a16="http://schemas.microsoft.com/office/drawing/2014/main" id="{42C01F3A-DB0B-D280-3E46-40BA3C0F87CB}"/>
               </a:ext>
             </a:extLst>
           </p:cNvPr>
@@ -26618,24 +27230,211 @@
             <p:ph type="title"/>
           </p:nvPr>
         </p:nvSpPr>
-        <p:spPr/>
+        <p:spPr>
+          <a:xfrm>
+            <a:off x="1600754" y="1087374"/>
+            <a:ext cx="8983489" cy="1000978"/>
+          </a:xfrm>
+        </p:spPr>
         <p:txBody>
-          <a:bodyPr/>
+          <a:bodyPr>
+            <a:normAutofit/>
+          </a:bodyPr>
           <a:lstStyle/>
           <a:p>
             <a:r>
               <a:rPr lang="es-ES" dirty="0"/>
-              <a:t>Resultados</a:t>
+              <a:t>Metodología - Creación de un API</a:t>
             </a:r>
           </a:p>
         </p:txBody>
       </p:sp>
       <p:sp>
         <p:nvSpPr>
-          <p:cNvPr id="6" name="Marcador de contenido 5">
+          <p:cNvPr id="12" name="Rectangle 11">
             <a:extLst>
               <a:ext uri="{FF2B5EF4-FFF2-40B4-BE49-F238E27FC236}">
-                <a16:creationId xmlns:a16="http://schemas.microsoft.com/office/drawing/2014/main" id="{E7B2A69C-5DD7-5A45-07D8-7E5CE2250D94}"/>
+                <a16:creationId xmlns:a16="http://schemas.microsoft.com/office/drawing/2014/main" id="{01014442-855A-4E0F-8D09-C314661A48B9}"/>
+              </a:ext>
+              <a:ext uri="{C183D7F6-B498-43B3-948B-1728B52AA6E4}">
+                <adec:decorative xmlns:adec="http://schemas.microsoft.com/office/drawing/2017/decorative" val="1"/>
+              </a:ext>
+            </a:extLst>
+          </p:cNvPr>
+          <p:cNvSpPr>
+            <a:spLocks noGrp="1" noRot="1" noChangeAspect="1" noMove="1" noResize="1" noEditPoints="1" noAdjustHandles="1" noChangeArrowheads="1" noChangeShapeType="1" noTextEdit="1"/>
+          </p:cNvSpPr>
+          <p:nvPr>
+            <p:extLst>
+              <p:ext uri="{386F3935-93C4-4BCD-93E2-E3B085C9AB24}">
+                <p16:designElem xmlns:p16="http://schemas.microsoft.com/office/powerpoint/2015/main" val="1"/>
+              </p:ext>
+            </p:extLst>
+          </p:nvPr>
+        </p:nvSpPr>
+        <p:spPr>
+          <a:xfrm>
+            <a:off x="11014533" y="758952"/>
+            <a:ext cx="1185379" cy="1651133"/>
+          </a:xfrm>
+          <a:prstGeom prst="rect">
+            <a:avLst/>
+          </a:prstGeom>
+          <a:solidFill>
+            <a:srgbClr val="C8C8C8">
+              <a:alpha val="49804"/>
+            </a:srgbClr>
+          </a:solidFill>
+          <a:ln>
+            <a:noFill/>
+          </a:ln>
+        </p:spPr>
+        <p:style>
+          <a:lnRef idx="2">
+            <a:schemeClr val="accent1">
+              <a:shade val="50000"/>
+            </a:schemeClr>
+          </a:lnRef>
+          <a:fillRef idx="1">
+            <a:schemeClr val="accent1"/>
+          </a:fillRef>
+          <a:effectRef idx="0">
+            <a:schemeClr val="accent1"/>
+          </a:effectRef>
+          <a:fontRef idx="minor">
+            <a:schemeClr val="lt1"/>
+          </a:fontRef>
+        </p:style>
+      </p:sp>
+      <p:sp>
+        <p:nvSpPr>
+          <p:cNvPr id="14" name="Rectangle 13">
+            <a:extLst>
+              <a:ext uri="{FF2B5EF4-FFF2-40B4-BE49-F238E27FC236}">
+                <a16:creationId xmlns:a16="http://schemas.microsoft.com/office/drawing/2014/main" id="{9B1ABF09-86CF-414E-88A5-2B84CC7232A9}"/>
+              </a:ext>
+              <a:ext uri="{C183D7F6-B498-43B3-948B-1728B52AA6E4}">
+                <adec:decorative xmlns:adec="http://schemas.microsoft.com/office/drawing/2017/decorative" val="1"/>
+              </a:ext>
+            </a:extLst>
+          </p:cNvPr>
+          <p:cNvSpPr>
+            <a:spLocks noGrp="1" noRot="1" noChangeAspect="1" noMove="1" noResize="1" noEditPoints="1" noAdjustHandles="1" noChangeArrowheads="1" noChangeShapeType="1" noTextEdit="1"/>
+          </p:cNvSpPr>
+          <p:nvPr>
+            <p:extLst>
+              <p:ext uri="{386F3935-93C4-4BCD-93E2-E3B085C9AB24}">
+                <p16:designElem xmlns:p16="http://schemas.microsoft.com/office/powerpoint/2015/main" val="1"/>
+              </p:ext>
+            </p:extLst>
+          </p:nvPr>
+        </p:nvSpPr>
+        <p:spPr>
+          <a:xfrm>
+            <a:off x="763" y="2526526"/>
+            <a:ext cx="1169701" cy="3563378"/>
+          </a:xfrm>
+          <a:prstGeom prst="rect">
+            <a:avLst/>
+          </a:prstGeom>
+          <a:solidFill>
+            <a:srgbClr val="C8C8C8">
+              <a:alpha val="49804"/>
+            </a:srgbClr>
+          </a:solidFill>
+          <a:ln>
+            <a:noFill/>
+          </a:ln>
+        </p:spPr>
+        <p:style>
+          <a:lnRef idx="2">
+            <a:schemeClr val="accent1">
+              <a:shade val="50000"/>
+            </a:schemeClr>
+          </a:lnRef>
+          <a:fillRef idx="1">
+            <a:schemeClr val="accent1"/>
+          </a:fillRef>
+          <a:effectRef idx="0">
+            <a:schemeClr val="accent1"/>
+          </a:effectRef>
+          <a:fontRef idx="minor">
+            <a:schemeClr val="lt1"/>
+          </a:fontRef>
+        </p:style>
+      </p:sp>
+      <p:sp>
+        <p:nvSpPr>
+          <p:cNvPr id="16" name="Rectangle 15">
+            <a:extLst>
+              <a:ext uri="{FF2B5EF4-FFF2-40B4-BE49-F238E27FC236}">
+                <a16:creationId xmlns:a16="http://schemas.microsoft.com/office/drawing/2014/main" id="{3FE91770-CDBB-4D24-94E5-AD484F36CE87}"/>
+              </a:ext>
+              <a:ext uri="{C183D7F6-B498-43B3-948B-1728B52AA6E4}">
+                <adec:decorative xmlns:adec="http://schemas.microsoft.com/office/drawing/2017/decorative" val="1"/>
+              </a:ext>
+            </a:extLst>
+          </p:cNvPr>
+          <p:cNvSpPr>
+            <a:spLocks noGrp="1" noRot="1" noChangeAspect="1" noMove="1" noResize="1" noEditPoints="1" noAdjustHandles="1" noChangeArrowheads="1" noChangeShapeType="1" noTextEdit="1"/>
+          </p:cNvSpPr>
+          <p:nvPr>
+            <p:extLst>
+              <p:ext uri="{386F3935-93C4-4BCD-93E2-E3B085C9AB24}">
+                <p16:designElem xmlns:p16="http://schemas.microsoft.com/office/powerpoint/2015/main" val="1"/>
+              </p:ext>
+            </p:extLst>
+          </p:nvPr>
+        </p:nvSpPr>
+        <p:spPr>
+          <a:xfrm>
+            <a:off x="1279019" y="2526526"/>
+            <a:ext cx="10920893" cy="3563377"/>
+          </a:xfrm>
+          <a:prstGeom prst="rect">
+            <a:avLst/>
+          </a:prstGeom>
+          <a:solidFill>
+            <a:schemeClr val="bg2">
+              <a:lumMod val="60000"/>
+              <a:lumOff val="40000"/>
+              <a:alpha val="60000"/>
+            </a:schemeClr>
+          </a:solidFill>
+          <a:ln>
+            <a:noFill/>
+          </a:ln>
+        </p:spPr>
+        <p:style>
+          <a:lnRef idx="2">
+            <a:schemeClr val="accent1">
+              <a:shade val="50000"/>
+            </a:schemeClr>
+          </a:lnRef>
+          <a:fillRef idx="1">
+            <a:schemeClr val="accent1"/>
+          </a:fillRef>
+          <a:effectRef idx="0">
+            <a:schemeClr val="accent1"/>
+          </a:effectRef>
+          <a:fontRef idx="minor">
+            <a:schemeClr val="lt1"/>
+          </a:fontRef>
+        </p:style>
+        <p:txBody>
+          <a:bodyPr/>
+          <a:lstStyle/>
+          <a:p>
+            <a:endParaRPr lang="en-US" dirty="0"/>
+          </a:p>
+        </p:txBody>
+      </p:sp>
+      <p:sp>
+        <p:nvSpPr>
+          <p:cNvPr id="3" name="Marcador de contenido 2">
+            <a:extLst>
+              <a:ext uri="{FF2B5EF4-FFF2-40B4-BE49-F238E27FC236}">
+                <a16:creationId xmlns:a16="http://schemas.microsoft.com/office/drawing/2014/main" id="{D5117AB5-0419-559F-1674-7C0600371311}"/>
               </a:ext>
             </a:extLst>
           </p:cNvPr>
@@ -26648,333 +27447,128 @@
         </p:nvSpPr>
         <p:spPr>
           <a:xfrm>
-            <a:off x="3449616" y="621151"/>
-            <a:ext cx="7315200" cy="1134794"/>
+            <a:off x="1600753" y="2525286"/>
+            <a:ext cx="9247649" cy="3564617"/>
           </a:xfrm>
         </p:spPr>
         <p:txBody>
-          <a:bodyPr/>
+          <a:bodyPr>
+            <a:normAutofit/>
+          </a:bodyPr>
           <a:lstStyle/>
           <a:p>
-            <a:pPr marL="0" indent="0">
-              <a:buNone/>
+            <a:pPr algn="just">
+              <a:lnSpc>
+                <a:spcPct val="150000"/>
+              </a:lnSpc>
+              <a:spcBef>
+                <a:spcPts val="1100"/>
+              </a:spcBef>
             </a:pPr>
             <a:r>
-              <a:rPr lang="es-ES" dirty="0"/>
-              <a:t>Importancia de los predictores</a:t>
+              <a:rPr lang="es-ES" sz="1400" dirty="0">
+                <a:ea typeface="+mn-lt"/>
+                <a:cs typeface="+mn-lt"/>
+              </a:rPr>
+              <a:t>Para complementar nuestro proyecto, se ha desarrollado un API, que es la forma en que los sistemas informáticos se comunican entre sí, actuando como un agente que lleva la información del usuario al servidor y luego nuevamente del servidor al usuario devolviendo la respuesta.</a:t>
             </a:r>
-            <a:endParaRPr lang="es-ES"/>
+          </a:p>
+          <a:p>
+            <a:pPr algn="just">
+              <a:lnSpc>
+                <a:spcPct val="150000"/>
+              </a:lnSpc>
+              <a:spcBef>
+                <a:spcPts val="1100"/>
+              </a:spcBef>
+            </a:pPr>
+            <a:r>
+              <a:rPr lang="es-ES" sz="1400" dirty="0" err="1">
+                <a:ea typeface="+mn-lt"/>
+                <a:cs typeface="+mn-lt"/>
+              </a:rPr>
+              <a:t>Flask</a:t>
+            </a:r>
+            <a:r>
+              <a:rPr lang="es-ES" sz="1400" dirty="0">
+                <a:ea typeface="+mn-lt"/>
+                <a:cs typeface="+mn-lt"/>
+              </a:rPr>
+              <a:t> es una librería de Python que proporciona esa capacidad, actuando a su vez como una API entre nuestro modelo predictivo. </a:t>
+            </a:r>
+          </a:p>
+          <a:p>
+            <a:pPr algn="just"/>
+            <a:r>
+              <a:rPr lang="es-ES" sz="1400" dirty="0">
+                <a:ea typeface="+mn-lt"/>
+                <a:cs typeface="+mn-lt"/>
+              </a:rPr>
+              <a:t>En nuestro caso la API abarca: </a:t>
+            </a:r>
+            <a:endParaRPr lang="es-ES" sz="1400" dirty="0"/>
+          </a:p>
+          <a:p>
+            <a:pPr marL="731520" lvl="1" indent="-228600" algn="just">
+              <a:buAutoNum type="alphaLcParenR"/>
+            </a:pPr>
+            <a:r>
+              <a:rPr lang="es-ES" sz="1200" dirty="0">
+                <a:ea typeface="+mn-lt"/>
+                <a:cs typeface="+mn-lt"/>
+              </a:rPr>
+              <a:t>Protocolo de transferencia HTTP: es la forma principal de comunicar información en la web.</a:t>
+            </a:r>
+            <a:endParaRPr lang="es-ES" sz="1200" dirty="0"/>
+          </a:p>
+          <a:p>
+            <a:pPr marL="731520" lvl="1" indent="-228600" algn="just">
+              <a:buAutoNum type="alphaLcParenR"/>
+            </a:pPr>
+            <a:r>
+              <a:rPr lang="es-ES" sz="1200" dirty="0">
+                <a:ea typeface="+mn-lt"/>
+                <a:cs typeface="+mn-lt"/>
+              </a:rPr>
+              <a:t>Métodos: GET: permite obtener información de la base de datos o de un proceso, POST: permite mandar información, ya sea para añadir información a una base de datos o para pasar el input de un modelo de machine </a:t>
+            </a:r>
+            <a:r>
+              <a:rPr lang="es-ES" sz="1200" dirty="0" err="1">
+                <a:ea typeface="+mn-lt"/>
+                <a:cs typeface="+mn-lt"/>
+              </a:rPr>
+              <a:t>learning</a:t>
+            </a:r>
+            <a:r>
+              <a:rPr lang="es-ES" sz="1200" dirty="0">
+                <a:ea typeface="+mn-lt"/>
+                <a:cs typeface="+mn-lt"/>
+              </a:rPr>
+              <a:t>, como es nuestro caso.</a:t>
+            </a:r>
+            <a:endParaRPr lang="es-ES" sz="1200"/>
+          </a:p>
+          <a:p>
+            <a:pPr algn="just">
+              <a:lnSpc>
+                <a:spcPct val="150000"/>
+              </a:lnSpc>
+              <a:spcBef>
+                <a:spcPts val="1100"/>
+              </a:spcBef>
+            </a:pPr>
+            <a:endParaRPr lang="es-ES" sz="1400" dirty="0">
+              <a:solidFill>
+                <a:srgbClr val="595959"/>
+              </a:solidFill>
+            </a:endParaRPr>
           </a:p>
         </p:txBody>
       </p:sp>
-      <p:pic>
-        <p:nvPicPr>
-          <p:cNvPr id="3" name="Imagen 3">
-            <a:extLst>
-              <a:ext uri="{FF2B5EF4-FFF2-40B4-BE49-F238E27FC236}">
-                <a16:creationId xmlns:a16="http://schemas.microsoft.com/office/drawing/2014/main" id="{4C708E43-9F35-3EDD-D877-BCC2C98B5A64}"/>
-              </a:ext>
-            </a:extLst>
-          </p:cNvPr>
-          <p:cNvPicPr>
-            <a:picLocks noChangeAspect="1"/>
-          </p:cNvPicPr>
-          <p:nvPr/>
-        </p:nvPicPr>
-        <p:blipFill>
-          <a:blip r:embed="rId2"/>
-          <a:stretch>
-            <a:fillRect/>
-          </a:stretch>
-        </p:blipFill>
-        <p:spPr>
-          <a:xfrm>
-            <a:off x="3450921" y="2591869"/>
-            <a:ext cx="3943610" cy="1987415"/>
-          </a:xfrm>
-          <a:prstGeom prst="rect">
-            <a:avLst/>
-          </a:prstGeom>
-        </p:spPr>
-      </p:pic>
-      <p:pic>
-        <p:nvPicPr>
-          <p:cNvPr id="4" name="Imagen 4" descr="Interfaz de usuario gráfica&#10;&#10;Descripción generada automáticamente">
-            <a:extLst>
-              <a:ext uri="{FF2B5EF4-FFF2-40B4-BE49-F238E27FC236}">
-                <a16:creationId xmlns:a16="http://schemas.microsoft.com/office/drawing/2014/main" id="{113ADEFA-C49C-6C96-3CB0-60AA17E5F62C}"/>
-              </a:ext>
-            </a:extLst>
-          </p:cNvPr>
-          <p:cNvPicPr>
-            <a:picLocks noChangeAspect="1"/>
-          </p:cNvPicPr>
-          <p:nvPr/>
-        </p:nvPicPr>
-        <p:blipFill>
-          <a:blip r:embed="rId3"/>
-          <a:stretch>
-            <a:fillRect/>
-          </a:stretch>
-        </p:blipFill>
-        <p:spPr>
-          <a:xfrm>
-            <a:off x="7803715" y="1737091"/>
-            <a:ext cx="3557391" cy="3968365"/>
-          </a:xfrm>
-          <a:prstGeom prst="rect">
-            <a:avLst/>
-          </a:prstGeom>
-        </p:spPr>
-      </p:pic>
-      <p:cxnSp>
-        <p:nvCxnSpPr>
-          <p:cNvPr id="5" name="Conector recto de flecha 4">
-            <a:extLst>
-              <a:ext uri="{FF2B5EF4-FFF2-40B4-BE49-F238E27FC236}">
-                <a16:creationId xmlns:a16="http://schemas.microsoft.com/office/drawing/2014/main" id="{3328FE23-A913-4CD9-0546-CD9657D2FAC3}"/>
-              </a:ext>
-            </a:extLst>
-          </p:cNvPr>
-          <p:cNvCxnSpPr/>
-          <p:nvPr/>
-        </p:nvCxnSpPr>
-        <p:spPr>
-          <a:xfrm flipV="1">
-            <a:off x="7027101" y="2216064"/>
-            <a:ext cx="893523" cy="818366"/>
-          </a:xfrm>
-          <a:prstGeom prst="straightConnector1">
-            <a:avLst/>
-          </a:prstGeom>
-          <a:ln>
-            <a:tailEnd type="triangle"/>
-          </a:ln>
-        </p:spPr>
-        <p:style>
-          <a:lnRef idx="2">
-            <a:schemeClr val="accent1"/>
-          </a:lnRef>
-          <a:fillRef idx="0">
-            <a:schemeClr val="accent1"/>
-          </a:fillRef>
-          <a:effectRef idx="1">
-            <a:schemeClr val="accent1"/>
-          </a:effectRef>
-          <a:fontRef idx="minor">
-            <a:schemeClr val="tx1"/>
-          </a:fontRef>
-        </p:style>
-      </p:cxnSp>
-      <p:cxnSp>
-        <p:nvCxnSpPr>
-          <p:cNvPr id="8" name="Conector recto de flecha 7">
-            <a:extLst>
-              <a:ext uri="{FF2B5EF4-FFF2-40B4-BE49-F238E27FC236}">
-                <a16:creationId xmlns:a16="http://schemas.microsoft.com/office/drawing/2014/main" id="{18DA3B4B-D70C-D726-6CFE-F1254DAB8797}"/>
-              </a:ext>
-            </a:extLst>
-          </p:cNvPr>
-          <p:cNvCxnSpPr>
-            <a:cxnSpLocks/>
-          </p:cNvCxnSpPr>
-          <p:nvPr/>
-        </p:nvCxnSpPr>
-        <p:spPr>
-          <a:xfrm flipV="1">
-            <a:off x="7016662" y="2581405"/>
-            <a:ext cx="1008345" cy="661791"/>
-          </a:xfrm>
-          <a:prstGeom prst="straightConnector1">
-            <a:avLst/>
-          </a:prstGeom>
-          <a:ln>
-            <a:tailEnd type="triangle"/>
-          </a:ln>
-        </p:spPr>
-        <p:style>
-          <a:lnRef idx="2">
-            <a:schemeClr val="accent1"/>
-          </a:lnRef>
-          <a:fillRef idx="0">
-            <a:schemeClr val="accent1"/>
-          </a:fillRef>
-          <a:effectRef idx="1">
-            <a:schemeClr val="accent1"/>
-          </a:effectRef>
-          <a:fontRef idx="minor">
-            <a:schemeClr val="tx1"/>
-          </a:fontRef>
-        </p:style>
-      </p:cxnSp>
-      <p:cxnSp>
-        <p:nvCxnSpPr>
-          <p:cNvPr id="9" name="Conector recto de flecha 8">
-            <a:extLst>
-              <a:ext uri="{FF2B5EF4-FFF2-40B4-BE49-F238E27FC236}">
-                <a16:creationId xmlns:a16="http://schemas.microsoft.com/office/drawing/2014/main" id="{5590440E-16B3-C47E-8616-BFD8CAB3A1F3}"/>
-              </a:ext>
-            </a:extLst>
-          </p:cNvPr>
-          <p:cNvCxnSpPr>
-            <a:cxnSpLocks/>
-          </p:cNvCxnSpPr>
-          <p:nvPr/>
-        </p:nvCxnSpPr>
-        <p:spPr>
-          <a:xfrm flipV="1">
-            <a:off x="6964470" y="2403952"/>
-            <a:ext cx="1050098" cy="1048010"/>
-          </a:xfrm>
-          <a:prstGeom prst="straightConnector1">
-            <a:avLst/>
-          </a:prstGeom>
-          <a:ln>
-            <a:tailEnd type="triangle"/>
-          </a:ln>
-        </p:spPr>
-        <p:style>
-          <a:lnRef idx="2">
-            <a:schemeClr val="accent1"/>
-          </a:lnRef>
-          <a:fillRef idx="0">
-            <a:schemeClr val="accent1"/>
-          </a:fillRef>
-          <a:effectRef idx="1">
-            <a:schemeClr val="accent1"/>
-          </a:effectRef>
-          <a:fontRef idx="minor">
-            <a:schemeClr val="tx1"/>
-          </a:fontRef>
-        </p:style>
-      </p:cxnSp>
-      <p:cxnSp>
-        <p:nvCxnSpPr>
-          <p:cNvPr id="10" name="Conector recto de flecha 9">
-            <a:extLst>
-              <a:ext uri="{FF2B5EF4-FFF2-40B4-BE49-F238E27FC236}">
-                <a16:creationId xmlns:a16="http://schemas.microsoft.com/office/drawing/2014/main" id="{4244C4A3-4517-A444-72D1-420F4AF08D0E}"/>
-              </a:ext>
-            </a:extLst>
-          </p:cNvPr>
-          <p:cNvCxnSpPr>
-            <a:cxnSpLocks/>
-          </p:cNvCxnSpPr>
-          <p:nvPr/>
-        </p:nvCxnSpPr>
-        <p:spPr>
-          <a:xfrm flipV="1">
-            <a:off x="7037538" y="3552170"/>
-            <a:ext cx="956153" cy="45928"/>
-          </a:xfrm>
-          <a:prstGeom prst="straightConnector1">
-            <a:avLst/>
-          </a:prstGeom>
-          <a:ln>
-            <a:tailEnd type="triangle"/>
-          </a:ln>
-        </p:spPr>
-        <p:style>
-          <a:lnRef idx="2">
-            <a:schemeClr val="accent1"/>
-          </a:lnRef>
-          <a:fillRef idx="0">
-            <a:schemeClr val="accent1"/>
-          </a:fillRef>
-          <a:effectRef idx="1">
-            <a:schemeClr val="accent1"/>
-          </a:effectRef>
-          <a:fontRef idx="minor">
-            <a:schemeClr val="tx1"/>
-          </a:fontRef>
-        </p:style>
-      </p:cxnSp>
-      <p:cxnSp>
-        <p:nvCxnSpPr>
-          <p:cNvPr id="11" name="Conector recto de flecha 10">
-            <a:extLst>
-              <a:ext uri="{FF2B5EF4-FFF2-40B4-BE49-F238E27FC236}">
-                <a16:creationId xmlns:a16="http://schemas.microsoft.com/office/drawing/2014/main" id="{F8BB0765-BC25-D1E6-5475-B82B59CBA14C}"/>
-              </a:ext>
-            </a:extLst>
-          </p:cNvPr>
-          <p:cNvCxnSpPr>
-            <a:cxnSpLocks/>
-          </p:cNvCxnSpPr>
-          <p:nvPr/>
-        </p:nvCxnSpPr>
-        <p:spPr>
-          <a:xfrm flipV="1">
-            <a:off x="7027100" y="3061567"/>
-            <a:ext cx="893522" cy="745297"/>
-          </a:xfrm>
-          <a:prstGeom prst="straightConnector1">
-            <a:avLst/>
-          </a:prstGeom>
-          <a:ln>
-            <a:tailEnd type="triangle"/>
-          </a:ln>
-        </p:spPr>
-        <p:style>
-          <a:lnRef idx="2">
-            <a:schemeClr val="accent1"/>
-          </a:lnRef>
-          <a:fillRef idx="0">
-            <a:schemeClr val="accent1"/>
-          </a:fillRef>
-          <a:effectRef idx="1">
-            <a:schemeClr val="accent1"/>
-          </a:effectRef>
-          <a:fontRef idx="minor">
-            <a:schemeClr val="tx1"/>
-          </a:fontRef>
-        </p:style>
-      </p:cxnSp>
-      <p:cxnSp>
-        <p:nvCxnSpPr>
-          <p:cNvPr id="12" name="Conector recto de flecha 11">
-            <a:extLst>
-              <a:ext uri="{FF2B5EF4-FFF2-40B4-BE49-F238E27FC236}">
-                <a16:creationId xmlns:a16="http://schemas.microsoft.com/office/drawing/2014/main" id="{AA830493-B168-435D-FC63-1A9AB1E2CE1E}"/>
-              </a:ext>
-            </a:extLst>
-          </p:cNvPr>
-          <p:cNvCxnSpPr>
-            <a:cxnSpLocks/>
-          </p:cNvCxnSpPr>
-          <p:nvPr/>
-        </p:nvCxnSpPr>
-        <p:spPr>
-          <a:xfrm flipV="1">
-            <a:off x="7027099" y="2884115"/>
-            <a:ext cx="977029" cy="1100201"/>
-          </a:xfrm>
-          <a:prstGeom prst="straightConnector1">
-            <a:avLst/>
-          </a:prstGeom>
-          <a:ln>
-            <a:tailEnd type="triangle"/>
-          </a:ln>
-        </p:spPr>
-        <p:style>
-          <a:lnRef idx="2">
-            <a:schemeClr val="accent1"/>
-          </a:lnRef>
-          <a:fillRef idx="0">
-            <a:schemeClr val="accent1"/>
-          </a:fillRef>
-          <a:effectRef idx="1">
-            <a:schemeClr val="accent1"/>
-          </a:effectRef>
-          <a:fontRef idx="minor">
-            <a:schemeClr val="tx1"/>
-          </a:fontRef>
-        </p:style>
-      </p:cxnSp>
     </p:spTree>
     <p:extLst>
       <p:ext uri="{BB962C8B-B14F-4D97-AF65-F5344CB8AC3E}">
-        <p14:creationId xmlns:p14="http://schemas.microsoft.com/office/powerpoint/2010/main" val="1940439599"/>
+        <p14:creationId xmlns:p14="http://schemas.microsoft.com/office/powerpoint/2010/main" val="1547407598"/>
       </p:ext>
     </p:extLst>
   </p:cSld>

--- a/articulo/Presentación Proyecto v1.pptx
+++ b/articulo/Presentación Proyecto v1.pptx
@@ -138,7 +138,7 @@
 <file path=ppt/revisionInfo.xml><?xml version="1.0" encoding="utf-8"?>
 <p1510:revInfo xmlns:a="http://schemas.openxmlformats.org/drawingml/2006/main" xmlns:r="http://schemas.openxmlformats.org/officeDocument/2006/relationships" xmlns:p1510="http://schemas.microsoft.com/office/powerpoint/2015/10/main">
   <p1510:revLst>
-    <p1510:client id="{4C9CDDA1-08DA-4DAD-9A0A-147817E7F3D3}" v="270" dt="2022-10-04T19:50:16.855"/>
+    <p1510:client id="{4C9CDDA1-08DA-4DAD-9A0A-147817E7F3D3}" v="355" dt="2022-10-04T22:05:52.237"/>
     <p1510:client id="{5C7215EE-1D5A-4C98-AC3C-905D93C6B2DA}" v="383" dt="2022-10-04T12:31:12.230"/>
     <p1510:client id="{6AB4FE7B-4C43-4279-A444-E81B07AE5A37}" v="6" dt="2022-10-04T11:37:25.003"/>
     <p1510:client id="{7315DE55-97B7-4F56-8E28-147F663FE6F0}" v="7" dt="2022-10-04T11:33:40.944"/>
@@ -6367,7 +6367,17 @@
           <a:pPr rtl="0"/>
           <a:r>
             <a:rPr lang="es-ES" dirty="0"/>
-            <a:t>Inicial: 100.000 – 39 variables explicativas</a:t>
+            <a:t>Inicial: </a:t>
+          </a:r>
+          <a:r>
+            <a:rPr lang="es-ES" dirty="0">
+              <a:latin typeface="Corbel" panose="020B0503020204020204"/>
+            </a:rPr>
+            <a:t>100.000- 20 provincias</a:t>
+          </a:r>
+          <a:r>
+            <a:rPr lang="es-ES" dirty="0"/>
+            <a:t> – 39 variables explicativas</a:t>
           </a:r>
           <a:r>
             <a:rPr lang="es-ES" dirty="0">
@@ -6619,19 +6629,7 @@
             <a:rPr lang="es-ES" dirty="0">
               <a:latin typeface="Corbel" panose="020B0503020204020204"/>
             </a:rPr>
-            <a:t>- KNN (</a:t>
-          </a:r>
-          <a:r>
-            <a:rPr lang="es-ES" dirty="0" err="1">
-              <a:latin typeface="Corbel" panose="020B0503020204020204"/>
-            </a:rPr>
-            <a:t>float</a:t>
-          </a:r>
-          <a:r>
-            <a:rPr lang="es-ES" dirty="0">
-              <a:latin typeface="Corbel" panose="020B0503020204020204"/>
-            </a:rPr>
-            <a:t>, m2_útiles)</a:t>
+            <a:t>- KNN (floor, m2_útiles)</a:t>
           </a:r>
           <a:endParaRPr lang="en-US" dirty="0">
             <a:latin typeface="Corbel" panose="020B0503020204020204"/>
@@ -6927,9 +6925,20 @@
         <a:bodyPr/>
         <a:lstStyle/>
         <a:p>
+          <a:pPr rtl="0"/>
           <a:r>
             <a:rPr lang="es-ES" dirty="0"/>
-            <a:t>R2:explica cuán cerca están los datos de la línea de regresión ajustada</a:t>
+            <a:t>R2:explica cuán cerca están </a:t>
+          </a:r>
+          <a:r>
+            <a:rPr lang="es-ES" dirty="0">
+              <a:latin typeface="Corbel" panose="020B0503020204020204"/>
+            </a:rPr>
+            <a:t>las prediciones</a:t>
+          </a:r>
+          <a:r>
+            <a:rPr lang="es-ES" dirty="0"/>
+            <a:t> de la línea de regresión ajustada</a:t>
           </a:r>
           <a:endParaRPr lang="en-US" dirty="0"/>
         </a:p>
@@ -9518,7 +9527,17 @@
           </a:pPr>
           <a:r>
             <a:rPr lang="es-ES" sz="1700" kern="1200" dirty="0"/>
-            <a:t>Inicial: 100.000 – 39 variables explicativas</a:t>
+            <a:t>Inicial: </a:t>
+          </a:r>
+          <a:r>
+            <a:rPr lang="es-ES" sz="1700" kern="1200" dirty="0">
+              <a:latin typeface="Corbel" panose="020B0503020204020204"/>
+            </a:rPr>
+            <a:t>100.000- 20 provincias</a:t>
+          </a:r>
+          <a:r>
+            <a:rPr lang="es-ES" sz="1700" kern="1200" dirty="0"/>
+            <a:t> – 39 variables explicativas</a:t>
           </a:r>
           <a:r>
             <a:rPr lang="es-ES" sz="1700" kern="1200" dirty="0">
@@ -9888,19 +9907,7 @@
             <a:rPr lang="es-ES" sz="1700" kern="1200" dirty="0">
               <a:latin typeface="Corbel" panose="020B0503020204020204"/>
             </a:rPr>
-            <a:t>- KNN (</a:t>
-          </a:r>
-          <a:r>
-            <a:rPr lang="es-ES" sz="1700" kern="1200" dirty="0" err="1">
-              <a:latin typeface="Corbel" panose="020B0503020204020204"/>
-            </a:rPr>
-            <a:t>float</a:t>
-          </a:r>
-          <a:r>
-            <a:rPr lang="es-ES" sz="1700" kern="1200" dirty="0">
-              <a:latin typeface="Corbel" panose="020B0503020204020204"/>
-            </a:rPr>
-            <a:t>, m2_útiles)</a:t>
+            <a:t>- KNN (floor, m2_útiles)</a:t>
           </a:r>
           <a:endParaRPr lang="en-US" sz="1700" kern="1200" dirty="0">
             <a:latin typeface="Corbel" panose="020B0503020204020204"/>
@@ -10142,7 +10149,7 @@
         </a:bodyPr>
         <a:lstStyle/>
         <a:p>
-          <a:pPr marL="114300" lvl="1" indent="-114300" algn="l" defTabSz="577850">
+          <a:pPr marL="114300" lvl="1" indent="-114300" algn="l" defTabSz="577850" rtl="0">
             <a:lnSpc>
               <a:spcPct val="90000"/>
             </a:lnSpc>
@@ -10156,7 +10163,17 @@
           </a:pPr>
           <a:r>
             <a:rPr lang="es-ES" sz="1300" kern="1200" dirty="0"/>
-            <a:t>R2:explica cuán cerca están los datos de la línea de regresión ajustada</a:t>
+            <a:t>R2:explica cuán cerca están </a:t>
+          </a:r>
+          <a:r>
+            <a:rPr lang="es-ES" sz="1300" kern="1200" dirty="0">
+              <a:latin typeface="Corbel" panose="020B0503020204020204"/>
+            </a:rPr>
+            <a:t>las prediciones</a:t>
+          </a:r>
+          <a:r>
+            <a:rPr lang="es-ES" sz="1300" kern="1200" dirty="0"/>
+            <a:t> de la línea de regresión ajustada</a:t>
           </a:r>
           <a:endParaRPr lang="en-US" sz="1300" kern="1200" dirty="0"/>
         </a:p>
@@ -22113,7 +22130,7 @@
                   <a:srgbClr val="FFFFFF"/>
                 </a:solidFill>
               </a:rPr>
-              <a:t>"Una imagen vale más que mil palabras y un número más que 10.000"</a:t>
+              <a:t>"Una imagen vale más que mil palabras pero un número más que 10.000"</a:t>
             </a:r>
           </a:p>
         </p:txBody>
@@ -23769,7 +23786,7 @@
         </p:nvSpPr>
         <p:spPr>
           <a:xfrm>
-            <a:off x="8329676" y="1906524"/>
+            <a:off x="8622753" y="2346139"/>
             <a:ext cx="375920" cy="487680"/>
           </a:xfrm>
           <a:prstGeom prst="leftArrow">
@@ -23925,14 +23942,55 @@
         </p:nvSpPr>
         <p:spPr>
           <a:xfrm>
-            <a:off x="3554308" y="914908"/>
-            <a:ext cx="8199120" cy="5120640"/>
+            <a:off x="3866924" y="377601"/>
+            <a:ext cx="6509043" cy="490025"/>
           </a:xfrm>
         </p:spPr>
+        <p:style>
+          <a:lnRef idx="0">
+            <a:schemeClr val="accent1"/>
+          </a:lnRef>
+          <a:fillRef idx="3">
+            <a:schemeClr val="accent1"/>
+          </a:fillRef>
+          <a:effectRef idx="3">
+            <a:schemeClr val="accent1"/>
+          </a:effectRef>
+          <a:fontRef idx="minor">
+            <a:schemeClr val="lt1"/>
+          </a:fontRef>
+        </p:style>
         <p:txBody>
           <a:bodyPr/>
           <a:lstStyle/>
           <a:p>
+            <a:pPr marL="0" indent="0" algn="ctr">
+              <a:buNone/>
+            </a:pPr>
+            <a:r>
+              <a:rPr lang="es-ES" b="1" dirty="0">
+                <a:solidFill>
+                  <a:schemeClr val="bg1"/>
+                </a:solidFill>
+              </a:rPr>
+              <a:t>Librería </a:t>
+            </a:r>
+            <a:r>
+              <a:rPr lang="es-ES" b="1" dirty="0" err="1">
+                <a:solidFill>
+                  <a:schemeClr val="bg1"/>
+                </a:solidFill>
+              </a:rPr>
+              <a:t>Flask</a:t>
+            </a:r>
+            <a:r>
+              <a:rPr lang="es-ES" b="1" dirty="0">
+                <a:solidFill>
+                  <a:schemeClr val="bg1"/>
+                </a:solidFill>
+              </a:rPr>
+              <a:t> de Python</a:t>
+            </a:r>
             <a:endParaRPr lang="es-ES"/>
           </a:p>
         </p:txBody>
@@ -23959,8 +24017,8 @@
         </p:blipFill>
         <p:spPr>
           <a:xfrm>
-            <a:off x="6014114" y="4110505"/>
-            <a:ext cx="5103460" cy="2751228"/>
+            <a:off x="5779653" y="4130043"/>
+            <a:ext cx="5298845" cy="2731690"/>
           </a:xfrm>
           <a:prstGeom prst="rect">
             <a:avLst/>
@@ -24406,7 +24464,7 @@
         </p:nvSpPr>
         <p:spPr>
           <a:xfrm rot="10800000">
-            <a:off x="7960950" y="1604818"/>
+            <a:off x="8048873" y="1663433"/>
             <a:ext cx="632519" cy="387611"/>
           </a:xfrm>
           <a:prstGeom prst="rightArrow">
@@ -24452,7 +24510,7 @@
         </p:nvSpPr>
         <p:spPr>
           <a:xfrm>
-            <a:off x="7874000" y="919480"/>
+            <a:off x="7961923" y="1017172"/>
             <a:ext cx="812800" cy="568960"/>
           </a:xfrm>
           <a:prstGeom prst="roundRect">
@@ -26831,7 +26889,7 @@
               </a:spcAft>
             </a:pPr>
             <a:r>
-              <a:rPr lang="es-ES" sz="1400" err="1">
+              <a:rPr lang="es-ES" sz="1400" dirty="0" err="1">
                 <a:solidFill>
                   <a:schemeClr val="tx1"/>
                 </a:solidFill>
@@ -26848,10 +26906,30 @@
                 <a:ea typeface="+mn-lt"/>
                 <a:cs typeface="+mn-lt"/>
               </a:rPr>
-              <a:t> Forest:  está formado por un conjunto de árboles de decisión individuales, cada uno entrenado con una muestra ligeramente distinta de los datos de entrenamiento generada mediante </a:t>
+              <a:t> Forest </a:t>
             </a:r>
             <a:r>
-              <a:rPr lang="es-ES" sz="1400" err="1">
+              <a:rPr lang="es-ES" sz="1400" dirty="0" err="1">
+                <a:solidFill>
+                  <a:schemeClr val="tx1"/>
+                </a:solidFill>
+                <a:ea typeface="+mn-lt"/>
+                <a:cs typeface="+mn-lt"/>
+              </a:rPr>
+              <a:t>Regressor</a:t>
+            </a:r>
+            <a:r>
+              <a:rPr lang="es-ES" sz="1400" dirty="0">
+                <a:solidFill>
+                  <a:schemeClr val="tx1"/>
+                </a:solidFill>
+                <a:ea typeface="+mn-lt"/>
+                <a:cs typeface="+mn-lt"/>
+              </a:rPr>
+              <a:t>:  Está formado por un conjunto de árboles de decisión individuales, cada uno entrenado con una muestra ligeramente distinta de los datos de entrenamiento generada mediante </a:t>
+            </a:r>
+            <a:r>
+              <a:rPr lang="es-ES" sz="1400" dirty="0" err="1">
                 <a:solidFill>
                   <a:schemeClr val="tx1"/>
                 </a:solidFill>
@@ -27470,7 +27548,7 @@
                 <a:ea typeface="+mn-lt"/>
                 <a:cs typeface="+mn-lt"/>
               </a:rPr>
-              <a:t>Para complementar nuestro proyecto, se ha desarrollado un API, que es la forma en que los sistemas informáticos se comunican entre sí, actuando como un agente que lleva la información del usuario al servidor y luego nuevamente del servidor al usuario devolviendo la respuesta.</a:t>
+              <a:t>Desarrollo de un API:  es la forma en que los sistemas informáticos se comunican entre sí, actuando como un agente que lleva la información del usuario al servidor y luego nuevamente del servidor al usuario devolviendo la respuesta.</a:t>
             </a:r>
           </a:p>
           <a:p>
